--- a/lectures/weekly_slides/M1.3_Mult_Div/M1.3_Mult_Div.pptx
+++ b/lectures/weekly_slides/M1.3_Mult_Div/M1.3_Mult_Div.pptx
@@ -3046,7 +3046,7 @@
           <a:p>
             <a:fld id="{0B9AF00C-6D75-48A8-A194-B96D46F0E30B}" type="datetimeFigureOut">
               <a:rPr lang="en-US" smtClean="0"/>
-              <a:t>10/27/2021</a:t>
+              <a:t>11/4/2021</a:t>
             </a:fld>
             <a:endParaRPr lang="en-US"/>
           </a:p>
@@ -3238,7 +3238,7 @@
               <a:pPr>
                 <a:defRPr/>
               </a:pPr>
-              <a:t>10/27/2021</a:t>
+              <a:t>11/4/2021</a:t>
             </a:fld>
             <a:endParaRPr lang="en-US"/>
           </a:p>
@@ -3876,7 +3876,7 @@
                 <a:latin typeface="Times New Roman" panose="02020603050405020304" pitchFamily="18" charset="0"/>
               </a:rPr>
               <a:pPr/>
-              <a:t>27 October, 2021</a:t>
+              <a:t>4 November, 2021</a:t>
             </a:fld>
             <a:endParaRPr lang="en-AU" altLang="en-US">
               <a:latin typeface="Times New Roman" panose="02020603050405020304" pitchFamily="18" charset="0"/>
@@ -4572,7 +4572,7 @@
                 <a:latin typeface="Times New Roman" panose="02020603050405020304" pitchFamily="18" charset="0"/>
               </a:rPr>
               <a:pPr/>
-              <a:t>27 October, 2021</a:t>
+              <a:t>4 November, 2021</a:t>
             </a:fld>
             <a:endParaRPr lang="en-AU" altLang="en-US">
               <a:latin typeface="Times New Roman" panose="02020603050405020304" pitchFamily="18" charset="0"/>
@@ -5268,7 +5268,7 @@
                 <a:latin typeface="Times New Roman" panose="02020603050405020304" pitchFamily="18" charset="0"/>
               </a:rPr>
               <a:pPr/>
-              <a:t>27 October, 2021</a:t>
+              <a:t>4 November, 2021</a:t>
             </a:fld>
             <a:endParaRPr lang="en-AU" altLang="en-US">
               <a:latin typeface="Times New Roman" panose="02020603050405020304" pitchFamily="18" charset="0"/>
@@ -5964,7 +5964,7 @@
                 <a:latin typeface="Times New Roman" panose="02020603050405020304" pitchFamily="18" charset="0"/>
               </a:rPr>
               <a:pPr/>
-              <a:t>27 October, 2021</a:t>
+              <a:t>4 November, 2021</a:t>
             </a:fld>
             <a:endParaRPr lang="en-AU" altLang="en-US">
               <a:latin typeface="Times New Roman" panose="02020603050405020304" pitchFamily="18" charset="0"/>
@@ -6660,7 +6660,7 @@
                 <a:latin typeface="Times New Roman" panose="02020603050405020304" pitchFamily="18" charset="0"/>
               </a:rPr>
               <a:pPr/>
-              <a:t>27 October, 2021</a:t>
+              <a:t>4 November, 2021</a:t>
             </a:fld>
             <a:endParaRPr lang="en-AU" altLang="en-US">
               <a:latin typeface="Times New Roman" panose="02020603050405020304" pitchFamily="18" charset="0"/>
@@ -7356,7 +7356,7 @@
                 <a:latin typeface="Times New Roman" panose="02020603050405020304" pitchFamily="18" charset="0"/>
               </a:rPr>
               <a:pPr/>
-              <a:t>27 October, 2021</a:t>
+              <a:t>4 November, 2021</a:t>
             </a:fld>
             <a:endParaRPr lang="en-AU" altLang="en-US">
               <a:latin typeface="Times New Roman" panose="02020603050405020304" pitchFamily="18" charset="0"/>
@@ -8052,7 +8052,7 @@
                 <a:latin typeface="Times New Roman" panose="02020603050405020304" pitchFamily="18" charset="0"/>
               </a:rPr>
               <a:pPr/>
-              <a:t>27 October, 2021</a:t>
+              <a:t>4 November, 2021</a:t>
             </a:fld>
             <a:endParaRPr lang="en-AU" altLang="en-US">
               <a:latin typeface="Times New Roman" panose="02020603050405020304" pitchFamily="18" charset="0"/>
@@ -8748,7 +8748,7 @@
                 <a:latin typeface="Times New Roman" panose="02020603050405020304" pitchFamily="18" charset="0"/>
               </a:rPr>
               <a:pPr/>
-              <a:t>27 October, 2021</a:t>
+              <a:t>4 November, 2021</a:t>
             </a:fld>
             <a:endParaRPr lang="en-AU" altLang="en-US">
               <a:latin typeface="Times New Roman" panose="02020603050405020304" pitchFamily="18" charset="0"/>
@@ -9444,7 +9444,7 @@
                 <a:latin typeface="Times New Roman" panose="02020603050405020304" pitchFamily="18" charset="0"/>
               </a:rPr>
               <a:pPr/>
-              <a:t>27 October, 2021</a:t>
+              <a:t>4 November, 2021</a:t>
             </a:fld>
             <a:endParaRPr lang="en-AU" altLang="en-US">
               <a:latin typeface="Times New Roman" panose="02020603050405020304" pitchFamily="18" charset="0"/>
@@ -10140,7 +10140,7 @@
                 <a:latin typeface="Times New Roman" panose="02020603050405020304" pitchFamily="18" charset="0"/>
               </a:rPr>
               <a:pPr/>
-              <a:t>27 October, 2021</a:t>
+              <a:t>4 November, 2021</a:t>
             </a:fld>
             <a:endParaRPr lang="en-AU" altLang="en-US">
               <a:latin typeface="Times New Roman" panose="02020603050405020304" pitchFamily="18" charset="0"/>
@@ -10836,7 +10836,7 @@
                 <a:latin typeface="Times New Roman" panose="02020603050405020304" pitchFamily="18" charset="0"/>
               </a:rPr>
               <a:pPr/>
-              <a:t>27 October, 2021</a:t>
+              <a:t>4 November, 2021</a:t>
             </a:fld>
             <a:endParaRPr lang="en-AU" altLang="en-US">
               <a:latin typeface="Times New Roman" panose="02020603050405020304" pitchFamily="18" charset="0"/>
@@ -11532,7 +11532,7 @@
                 <a:latin typeface="Times New Roman" panose="02020603050405020304" pitchFamily="18" charset="0"/>
               </a:rPr>
               <a:pPr/>
-              <a:t>27 October, 2021</a:t>
+              <a:t>4 November, 2021</a:t>
             </a:fld>
             <a:endParaRPr lang="en-AU" altLang="en-US">
               <a:latin typeface="Times New Roman" panose="02020603050405020304" pitchFamily="18" charset="0"/>
@@ -12235,7 +12235,7 @@
               <a:pPr>
                 <a:defRPr/>
               </a:pPr>
-              <a:t>10/27/2021</a:t>
+              <a:t>11/4/2021</a:t>
             </a:fld>
             <a:endParaRPr lang="en-US"/>
           </a:p>
@@ -13992,7 +13992,7 @@
           <a:p>
             <a:fld id="{A35C81D1-1CD0-4635-879D-7FA4B608ED76}" type="datetimeFigureOut">
               <a:rPr lang="en-GB" smtClean="0"/>
-              <a:t>27/10/2021</a:t>
+              <a:t>04/11/2021</a:t>
             </a:fld>
             <a:endParaRPr lang="en-GB"/>
           </a:p>
@@ -14581,7 +14581,7 @@
               <a:pPr>
                 <a:defRPr/>
               </a:pPr>
-              <a:t>10/27/2021</a:t>
+              <a:t>11/4/2021</a:t>
             </a:fld>
             <a:endParaRPr lang="en-US"/>
           </a:p>
@@ -16059,7 +16059,7 @@
           <a:graphicData uri="http://schemas.openxmlformats.org/presentationml/2006/ole">
             <mc:AlternateContent xmlns:mc="http://schemas.openxmlformats.org/markup-compatibility/2006">
               <mc:Choice xmlns:v="urn:schemas-microsoft-com:vml" Requires="v">
-                <p:oleObj spid="_x0000_s1029" name="VISIO" r:id="rId4" imgW="2223360" imgH="1461600" progId="Visio.Drawing.6">
+                <p:oleObj spid="_x0000_s1026" name="VISIO" r:id="rId4" imgW="2223360" imgH="1461600" progId="Visio.Drawing.6">
                   <p:embed/>
                 </p:oleObj>
               </mc:Choice>
@@ -16068,7 +16068,13 @@
                   <p:embed/>
                   <p:pic>
                     <p:nvPicPr>
-                      <p:cNvPr id="946183" name="Object 7"/>
+                      <p:cNvPr id="5" name="Object 7">
+                        <a:extLst>
+                          <a:ext uri="{FF2B5EF4-FFF2-40B4-BE49-F238E27FC236}">
+                            <a16:creationId xmlns:a16="http://schemas.microsoft.com/office/drawing/2014/main" id="{34B2D0CC-E0A9-4FC6-9EF7-5CBF77D9597C}"/>
+                          </a:ext>
+                        </a:extLst>
+                      </p:cNvPr>
                       <p:cNvPicPr>
                         <a:picLocks noChangeAspect="1" noChangeArrowheads="1"/>
                       </p:cNvPicPr>
@@ -29180,7 +29186,7 @@
             </a:pPr>
             <a:r>
               <a:rPr lang="en-GB" dirty="0"/>
-              <a:t>Alternatively, previous algorithm works for signed numbers as long as shifts are performed using sign extension.</a:t>
+              <a:t>Alternatively, previous algorithm works for signed numbers if shifts are performed using sign extension.</a:t>
             </a:r>
           </a:p>
         </p:txBody>
@@ -31979,6 +31985,81 @@
   <p:clrMapOvr>
     <a:masterClrMapping/>
   </p:clrMapOvr>
+  <p:timing>
+    <p:tnLst>
+      <p:par>
+        <p:cTn id="1" dur="indefinite" restart="never" nodeType="tmRoot">
+          <p:childTnLst>
+            <p:seq concurrent="1" nextAc="seek">
+              <p:cTn id="2" dur="indefinite" nodeType="mainSeq">
+                <p:childTnLst>
+                  <p:par>
+                    <p:cTn id="3" fill="hold">
+                      <p:stCondLst>
+                        <p:cond delay="indefinite"/>
+                      </p:stCondLst>
+                      <p:childTnLst>
+                        <p:par>
+                          <p:cTn id="4" fill="hold">
+                            <p:stCondLst>
+                              <p:cond delay="0"/>
+                            </p:stCondLst>
+                            <p:childTnLst>
+                              <p:par>
+                                <p:cTn id="5" presetID="1" presetClass="entr" presetSubtype="0" fill="hold" nodeType="clickEffect">
+                                  <p:stCondLst>
+                                    <p:cond delay="0"/>
+                                  </p:stCondLst>
+                                  <p:childTnLst>
+                                    <p:set>
+                                      <p:cBhvr>
+                                        <p:cTn id="6" dur="1" fill="hold">
+                                          <p:stCondLst>
+                                            <p:cond delay="0"/>
+                                          </p:stCondLst>
+                                        </p:cTn>
+                                        <p:tgtEl>
+                                          <p:spTgt spid="6"/>
+                                        </p:tgtEl>
+                                        <p:attrNameLst>
+                                          <p:attrName>style.visibility</p:attrName>
+                                        </p:attrNameLst>
+                                      </p:cBhvr>
+                                      <p:to>
+                                        <p:strVal val="visible"/>
+                                      </p:to>
+                                    </p:set>
+                                  </p:childTnLst>
+                                </p:cTn>
+                              </p:par>
+                            </p:childTnLst>
+                          </p:cTn>
+                        </p:par>
+                      </p:childTnLst>
+                    </p:cTn>
+                  </p:par>
+                </p:childTnLst>
+              </p:cTn>
+              <p:prevCondLst>
+                <p:cond evt="onPrev" delay="0">
+                  <p:tgtEl>
+                    <p:sldTgt/>
+                  </p:tgtEl>
+                </p:cond>
+              </p:prevCondLst>
+              <p:nextCondLst>
+                <p:cond evt="onNext" delay="0">
+                  <p:tgtEl>
+                    <p:sldTgt/>
+                  </p:tgtEl>
+                </p:cond>
+              </p:nextCondLst>
+            </p:seq>
+          </p:childTnLst>
+        </p:cTn>
+      </p:par>
+    </p:tnLst>
+  </p:timing>
 </p:sld>
 </file>
 
@@ -32432,6 +32513,111 @@
   <p:clrMapOvr>
     <a:masterClrMapping/>
   </p:clrMapOvr>
+  <p:timing>
+    <p:tnLst>
+      <p:par>
+        <p:cTn id="1" dur="indefinite" restart="never" nodeType="tmRoot">
+          <p:childTnLst>
+            <p:seq concurrent="1" nextAc="seek">
+              <p:cTn id="2" dur="indefinite" nodeType="mainSeq">
+                <p:childTnLst>
+                  <p:par>
+                    <p:cTn id="3" fill="hold">
+                      <p:stCondLst>
+                        <p:cond delay="indefinite"/>
+                      </p:stCondLst>
+                      <p:childTnLst>
+                        <p:par>
+                          <p:cTn id="4" fill="hold">
+                            <p:stCondLst>
+                              <p:cond delay="0"/>
+                            </p:stCondLst>
+                            <p:childTnLst>
+                              <p:par>
+                                <p:cTn id="5" presetID="1" presetClass="entr" presetSubtype="0" fill="hold" nodeType="clickEffect">
+                                  <p:stCondLst>
+                                    <p:cond delay="0"/>
+                                  </p:stCondLst>
+                                  <p:childTnLst>
+                                    <p:set>
+                                      <p:cBhvr>
+                                        <p:cTn id="6" dur="1" fill="hold">
+                                          <p:stCondLst>
+                                            <p:cond delay="0"/>
+                                          </p:stCondLst>
+                                        </p:cTn>
+                                        <p:tgtEl>
+                                          <p:spTgt spid="8"/>
+                                        </p:tgtEl>
+                                        <p:attrNameLst>
+                                          <p:attrName>style.visibility</p:attrName>
+                                        </p:attrNameLst>
+                                      </p:cBhvr>
+                                      <p:to>
+                                        <p:strVal val="visible"/>
+                                      </p:to>
+                                    </p:set>
+                                  </p:childTnLst>
+                                </p:cTn>
+                              </p:par>
+                              <p:par>
+                                <p:cTn id="7" presetID="1" presetClass="entr" presetSubtype="0" fill="hold" grpId="0" nodeType="withEffect">
+                                  <p:stCondLst>
+                                    <p:cond delay="0"/>
+                                  </p:stCondLst>
+                                  <p:childTnLst>
+                                    <p:set>
+                                      <p:cBhvr>
+                                        <p:cTn id="8" dur="1" fill="hold">
+                                          <p:stCondLst>
+                                            <p:cond delay="0"/>
+                                          </p:stCondLst>
+                                        </p:cTn>
+                                        <p:tgtEl>
+                                          <p:spTgt spid="6"/>
+                                        </p:tgtEl>
+                                        <p:attrNameLst>
+                                          <p:attrName>style.visibility</p:attrName>
+                                        </p:attrNameLst>
+                                      </p:cBhvr>
+                                      <p:to>
+                                        <p:strVal val="visible"/>
+                                      </p:to>
+                                    </p:set>
+                                  </p:childTnLst>
+                                </p:cTn>
+                              </p:par>
+                            </p:childTnLst>
+                          </p:cTn>
+                        </p:par>
+                      </p:childTnLst>
+                    </p:cTn>
+                  </p:par>
+                </p:childTnLst>
+              </p:cTn>
+              <p:prevCondLst>
+                <p:cond evt="onPrev" delay="0">
+                  <p:tgtEl>
+                    <p:sldTgt/>
+                  </p:tgtEl>
+                </p:cond>
+              </p:prevCondLst>
+              <p:nextCondLst>
+                <p:cond evt="onNext" delay="0">
+                  <p:tgtEl>
+                    <p:sldTgt/>
+                  </p:tgtEl>
+                </p:cond>
+              </p:nextCondLst>
+            </p:seq>
+          </p:childTnLst>
+        </p:cTn>
+      </p:par>
+    </p:tnLst>
+    <p:bldLst>
+      <p:bldP spid="6" grpId="0"/>
+    </p:bldLst>
+  </p:timing>
 </p:sld>
 </file>
 
@@ -33624,7 +33810,7 @@
             <a:pPr eaLnBrk="1" hangingPunct="1"/>
             <a:r>
               <a:rPr lang="en-US" altLang="en-US" dirty="0"/>
-              <a:t>Division hardware</a:t>
+              <a:t>Sequential division</a:t>
             </a:r>
             <a:endParaRPr lang="en-AU" altLang="en-US" dirty="0"/>
           </a:p>

--- a/lectures/weekly_slides/M1.3_Mult_Div/M1.3_Mult_Div.pptx
+++ b/lectures/weekly_slides/M1.3_Mult_Div/M1.3_Mult_Div.pptx
@@ -3046,7 +3046,7 @@
           <a:p>
             <a:fld id="{0B9AF00C-6D75-48A8-A194-B96D46F0E30B}" type="datetimeFigureOut">
               <a:rPr lang="en-US" smtClean="0"/>
-              <a:t>11/4/2021</a:t>
+              <a:t>11/11/2021</a:t>
             </a:fld>
             <a:endParaRPr lang="en-US"/>
           </a:p>
@@ -3238,7 +3238,7 @@
               <a:pPr>
                 <a:defRPr/>
               </a:pPr>
-              <a:t>11/4/2021</a:t>
+              <a:t>11/11/2021</a:t>
             </a:fld>
             <a:endParaRPr lang="en-US"/>
           </a:p>
@@ -3876,7 +3876,7 @@
                 <a:latin typeface="Times New Roman" panose="02020603050405020304" pitchFamily="18" charset="0"/>
               </a:rPr>
               <a:pPr/>
-              <a:t>4 November, 2021</a:t>
+              <a:t>11 November, 2021</a:t>
             </a:fld>
             <a:endParaRPr lang="en-AU" altLang="en-US">
               <a:latin typeface="Times New Roman" panose="02020603050405020304" pitchFamily="18" charset="0"/>
@@ -4572,7 +4572,7 @@
                 <a:latin typeface="Times New Roman" panose="02020603050405020304" pitchFamily="18" charset="0"/>
               </a:rPr>
               <a:pPr/>
-              <a:t>4 November, 2021</a:t>
+              <a:t>11 November, 2021</a:t>
             </a:fld>
             <a:endParaRPr lang="en-AU" altLang="en-US">
               <a:latin typeface="Times New Roman" panose="02020603050405020304" pitchFamily="18" charset="0"/>
@@ -5268,7 +5268,7 @@
                 <a:latin typeface="Times New Roman" panose="02020603050405020304" pitchFamily="18" charset="0"/>
               </a:rPr>
               <a:pPr/>
-              <a:t>4 November, 2021</a:t>
+              <a:t>11 November, 2021</a:t>
             </a:fld>
             <a:endParaRPr lang="en-AU" altLang="en-US">
               <a:latin typeface="Times New Roman" panose="02020603050405020304" pitchFamily="18" charset="0"/>
@@ -5964,7 +5964,7 @@
                 <a:latin typeface="Times New Roman" panose="02020603050405020304" pitchFamily="18" charset="0"/>
               </a:rPr>
               <a:pPr/>
-              <a:t>4 November, 2021</a:t>
+              <a:t>11 November, 2021</a:t>
             </a:fld>
             <a:endParaRPr lang="en-AU" altLang="en-US">
               <a:latin typeface="Times New Roman" panose="02020603050405020304" pitchFamily="18" charset="0"/>
@@ -6660,7 +6660,7 @@
                 <a:latin typeface="Times New Roman" panose="02020603050405020304" pitchFamily="18" charset="0"/>
               </a:rPr>
               <a:pPr/>
-              <a:t>4 November, 2021</a:t>
+              <a:t>11 November, 2021</a:t>
             </a:fld>
             <a:endParaRPr lang="en-AU" altLang="en-US">
               <a:latin typeface="Times New Roman" panose="02020603050405020304" pitchFamily="18" charset="0"/>
@@ -7356,7 +7356,7 @@
                 <a:latin typeface="Times New Roman" panose="02020603050405020304" pitchFamily="18" charset="0"/>
               </a:rPr>
               <a:pPr/>
-              <a:t>4 November, 2021</a:t>
+              <a:t>11 November, 2021</a:t>
             </a:fld>
             <a:endParaRPr lang="en-AU" altLang="en-US">
               <a:latin typeface="Times New Roman" panose="02020603050405020304" pitchFamily="18" charset="0"/>
@@ -8052,7 +8052,7 @@
                 <a:latin typeface="Times New Roman" panose="02020603050405020304" pitchFamily="18" charset="0"/>
               </a:rPr>
               <a:pPr/>
-              <a:t>4 November, 2021</a:t>
+              <a:t>11 November, 2021</a:t>
             </a:fld>
             <a:endParaRPr lang="en-AU" altLang="en-US">
               <a:latin typeface="Times New Roman" panose="02020603050405020304" pitchFamily="18" charset="0"/>
@@ -8748,7 +8748,7 @@
                 <a:latin typeface="Times New Roman" panose="02020603050405020304" pitchFamily="18" charset="0"/>
               </a:rPr>
               <a:pPr/>
-              <a:t>4 November, 2021</a:t>
+              <a:t>11 November, 2021</a:t>
             </a:fld>
             <a:endParaRPr lang="en-AU" altLang="en-US">
               <a:latin typeface="Times New Roman" panose="02020603050405020304" pitchFamily="18" charset="0"/>
@@ -9444,7 +9444,7 @@
                 <a:latin typeface="Times New Roman" panose="02020603050405020304" pitchFamily="18" charset="0"/>
               </a:rPr>
               <a:pPr/>
-              <a:t>4 November, 2021</a:t>
+              <a:t>11 November, 2021</a:t>
             </a:fld>
             <a:endParaRPr lang="en-AU" altLang="en-US">
               <a:latin typeface="Times New Roman" panose="02020603050405020304" pitchFamily="18" charset="0"/>
@@ -10140,7 +10140,7 @@
                 <a:latin typeface="Times New Roman" panose="02020603050405020304" pitchFamily="18" charset="0"/>
               </a:rPr>
               <a:pPr/>
-              <a:t>4 November, 2021</a:t>
+              <a:t>11 November, 2021</a:t>
             </a:fld>
             <a:endParaRPr lang="en-AU" altLang="en-US">
               <a:latin typeface="Times New Roman" panose="02020603050405020304" pitchFamily="18" charset="0"/>
@@ -10836,7 +10836,7 @@
                 <a:latin typeface="Times New Roman" panose="02020603050405020304" pitchFamily="18" charset="0"/>
               </a:rPr>
               <a:pPr/>
-              <a:t>4 November, 2021</a:t>
+              <a:t>11 November, 2021</a:t>
             </a:fld>
             <a:endParaRPr lang="en-AU" altLang="en-US">
               <a:latin typeface="Times New Roman" panose="02020603050405020304" pitchFamily="18" charset="0"/>
@@ -11532,7 +11532,7 @@
                 <a:latin typeface="Times New Roman" panose="02020603050405020304" pitchFamily="18" charset="0"/>
               </a:rPr>
               <a:pPr/>
-              <a:t>4 November, 2021</a:t>
+              <a:t>11 November, 2021</a:t>
             </a:fld>
             <a:endParaRPr lang="en-AU" altLang="en-US">
               <a:latin typeface="Times New Roman" panose="02020603050405020304" pitchFamily="18" charset="0"/>
@@ -12235,7 +12235,7 @@
               <a:pPr>
                 <a:defRPr/>
               </a:pPr>
-              <a:t>11/4/2021</a:t>
+              <a:t>11/11/2021</a:t>
             </a:fld>
             <a:endParaRPr lang="en-US"/>
           </a:p>
@@ -13992,7 +13992,7 @@
           <a:p>
             <a:fld id="{A35C81D1-1CD0-4635-879D-7FA4B608ED76}" type="datetimeFigureOut">
               <a:rPr lang="en-GB" smtClean="0"/>
-              <a:t>04/11/2021</a:t>
+              <a:t>11/11/2021</a:t>
             </a:fld>
             <a:endParaRPr lang="en-GB"/>
           </a:p>
@@ -14581,7 +14581,7 @@
               <a:pPr>
                 <a:defRPr/>
               </a:pPr>
-              <a:t>11/4/2021</a:t>
+              <a:t>11/11/2021</a:t>
             </a:fld>
             <a:endParaRPr lang="en-US"/>
           </a:p>
@@ -16059,7 +16059,7 @@
           <a:graphicData uri="http://schemas.openxmlformats.org/presentationml/2006/ole">
             <mc:AlternateContent xmlns:mc="http://schemas.openxmlformats.org/markup-compatibility/2006">
               <mc:Choice xmlns:v="urn:schemas-microsoft-com:vml" Requires="v">
-                <p:oleObj spid="_x0000_s1026" name="VISIO" r:id="rId4" imgW="2223360" imgH="1461600" progId="Visio.Drawing.6">
+                <p:oleObj spid="_x0000_s1029" name="VISIO" r:id="rId4" imgW="2223360" imgH="1461600" progId="Visio.Drawing.6">
                   <p:embed/>
                 </p:oleObj>
               </mc:Choice>
@@ -16501,7 +16501,7 @@
           </p:cNvPicPr>
           <p:nvPr/>
         </p:nvPicPr>
-        <p:blipFill>
+        <p:blipFill rotWithShape="1">
           <a:blip r:embed="rId2" cstate="print">
             <a:extLst>
               <a:ext uri="{28A0092B-C50C-407E-A947-70E740481C1C}">
@@ -16509,15 +16509,13 @@
               </a:ext>
             </a:extLst>
           </a:blip>
-          <a:srcRect/>
-          <a:stretch>
-            <a:fillRect/>
-          </a:stretch>
+          <a:srcRect l="45524"/>
+          <a:stretch/>
         </p:blipFill>
         <p:spPr bwMode="auto">
           <a:xfrm>
-            <a:off x="196663" y="2514600"/>
-            <a:ext cx="8718737" cy="3294063"/>
+            <a:off x="25138" y="802945"/>
+            <a:ext cx="5766062" cy="3999050"/>
           </a:xfrm>
           <a:prstGeom prst="rect">
             <a:avLst/>
@@ -16586,8 +16584,76 @@
         </p:blipFill>
         <p:spPr bwMode="auto">
           <a:xfrm>
-            <a:off x="4091501" y="865234"/>
+            <a:off x="6629400" y="1145742"/>
             <a:ext cx="929060" cy="1905000"/>
+          </a:xfrm>
+          <a:prstGeom prst="rect">
+            <a:avLst/>
+          </a:prstGeom>
+          <a:noFill/>
+          <a:ln>
+            <a:noFill/>
+          </a:ln>
+          <a:effectLst/>
+          <a:extLst>
+            <a:ext uri="{909E8E84-426E-40DD-AFC4-6F175D3DCCD1}">
+              <a14:hiddenFill xmlns:a14="http://schemas.microsoft.com/office/drawing/2010/main">
+                <a:solidFill>
+                  <a:schemeClr val="accent1"/>
+                </a:solidFill>
+              </a14:hiddenFill>
+            </a:ext>
+            <a:ext uri="{91240B29-F687-4F45-9708-019B960494DF}">
+              <a14:hiddenLine xmlns:a14="http://schemas.microsoft.com/office/drawing/2010/main" w="9525">
+                <a:solidFill>
+                  <a:schemeClr val="tx1"/>
+                </a:solidFill>
+                <a:miter lim="800000"/>
+                <a:headEnd/>
+                <a:tailEnd/>
+              </a14:hiddenLine>
+            </a:ext>
+            <a:ext uri="{AF507438-7753-43E0-B8FC-AC1667EBCBE1}">
+              <a14:hiddenEffects xmlns:a14="http://schemas.microsoft.com/office/drawing/2010/main">
+                <a:effectLst>
+                  <a:outerShdw dist="35921" dir="2700000" algn="ctr" rotWithShape="0">
+                    <a:schemeClr val="bg2"/>
+                  </a:outerShdw>
+                </a:effectLst>
+              </a14:hiddenEffects>
+            </a:ext>
+          </a:extLst>
+        </p:spPr>
+      </p:pic>
+      <p:pic>
+        <p:nvPicPr>
+          <p:cNvPr id="8" name="Picture 11">
+            <a:extLst>
+              <a:ext uri="{FF2B5EF4-FFF2-40B4-BE49-F238E27FC236}">
+                <a16:creationId xmlns:a16="http://schemas.microsoft.com/office/drawing/2014/main" id="{48874A06-80FF-436A-904B-07613EF22000}"/>
+              </a:ext>
+            </a:extLst>
+          </p:cNvPr>
+          <p:cNvPicPr>
+            <a:picLocks noChangeAspect="1" noChangeArrowheads="1"/>
+          </p:cNvPicPr>
+          <p:nvPr/>
+        </p:nvPicPr>
+        <p:blipFill rotWithShape="1">
+          <a:blip r:embed="rId2" cstate="print">
+            <a:extLst>
+              <a:ext uri="{28A0092B-C50C-407E-A947-70E740481C1C}">
+                <a14:useLocalDpi xmlns:a14="http://schemas.microsoft.com/office/drawing/2010/main" val="0"/>
+              </a:ext>
+            </a:extLst>
+          </a:blip>
+          <a:srcRect t="29833" r="57356"/>
+          <a:stretch/>
+        </p:blipFill>
+        <p:spPr bwMode="auto">
+          <a:xfrm>
+            <a:off x="4264936" y="3647839"/>
+            <a:ext cx="4853926" cy="3017473"/>
           </a:xfrm>
           <a:prstGeom prst="rect">
             <a:avLst/>
@@ -21583,6 +21649,316 @@
       </p:grpSpPr>
       <p:sp>
         <p:nvSpPr>
+          <p:cNvPr id="32" name="Rectangle 3">
+            <a:extLst>
+              <a:ext uri="{FF2B5EF4-FFF2-40B4-BE49-F238E27FC236}">
+                <a16:creationId xmlns:a16="http://schemas.microsoft.com/office/drawing/2014/main" id="{BE9CEB82-C1F3-4060-8264-BCAD2E7EC9BC}"/>
+              </a:ext>
+            </a:extLst>
+          </p:cNvPr>
+          <p:cNvSpPr/>
+          <p:nvPr/>
+        </p:nvSpPr>
+        <p:spPr>
+          <a:xfrm rot="2663208">
+            <a:off x="3374841" y="2346529"/>
+            <a:ext cx="816023" cy="809304"/>
+          </a:xfrm>
+          <a:custGeom>
+            <a:avLst/>
+            <a:gdLst>
+              <a:gd name="connsiteX0" fmla="*/ 0 w 542159"/>
+              <a:gd name="connsiteY0" fmla="*/ 0 h 537632"/>
+              <a:gd name="connsiteX1" fmla="*/ 542159 w 542159"/>
+              <a:gd name="connsiteY1" fmla="*/ 0 h 537632"/>
+              <a:gd name="connsiteX2" fmla="*/ 542159 w 542159"/>
+              <a:gd name="connsiteY2" fmla="*/ 537632 h 537632"/>
+              <a:gd name="connsiteX3" fmla="*/ 0 w 542159"/>
+              <a:gd name="connsiteY3" fmla="*/ 537632 h 537632"/>
+              <a:gd name="connsiteX4" fmla="*/ 0 w 542159"/>
+              <a:gd name="connsiteY4" fmla="*/ 0 h 537632"/>
+              <a:gd name="connsiteX0" fmla="*/ 10037 w 552196"/>
+              <a:gd name="connsiteY0" fmla="*/ 0 h 636313"/>
+              <a:gd name="connsiteX1" fmla="*/ 552196 w 552196"/>
+              <a:gd name="connsiteY1" fmla="*/ 0 h 636313"/>
+              <a:gd name="connsiteX2" fmla="*/ 552196 w 552196"/>
+              <a:gd name="connsiteY2" fmla="*/ 537632 h 636313"/>
+              <a:gd name="connsiteX3" fmla="*/ 0 w 552196"/>
+              <a:gd name="connsiteY3" fmla="*/ 636313 h 636313"/>
+              <a:gd name="connsiteX4" fmla="*/ 10037 w 552196"/>
+              <a:gd name="connsiteY4" fmla="*/ 0 h 636313"/>
+              <a:gd name="connsiteX0" fmla="*/ 140638 w 552196"/>
+              <a:gd name="connsiteY0" fmla="*/ 174277 h 636313"/>
+              <a:gd name="connsiteX1" fmla="*/ 552196 w 552196"/>
+              <a:gd name="connsiteY1" fmla="*/ 0 h 636313"/>
+              <a:gd name="connsiteX2" fmla="*/ 552196 w 552196"/>
+              <a:gd name="connsiteY2" fmla="*/ 537632 h 636313"/>
+              <a:gd name="connsiteX3" fmla="*/ 0 w 552196"/>
+              <a:gd name="connsiteY3" fmla="*/ 636313 h 636313"/>
+              <a:gd name="connsiteX4" fmla="*/ 140638 w 552196"/>
+              <a:gd name="connsiteY4" fmla="*/ 174277 h 636313"/>
+              <a:gd name="connsiteX0" fmla="*/ 140638 w 637360"/>
+              <a:gd name="connsiteY0" fmla="*/ 159894 h 621930"/>
+              <a:gd name="connsiteX1" fmla="*/ 637360 w 637360"/>
+              <a:gd name="connsiteY1" fmla="*/ 0 h 621930"/>
+              <a:gd name="connsiteX2" fmla="*/ 552196 w 637360"/>
+              <a:gd name="connsiteY2" fmla="*/ 523249 h 621930"/>
+              <a:gd name="connsiteX3" fmla="*/ 0 w 637360"/>
+              <a:gd name="connsiteY3" fmla="*/ 621930 h 621930"/>
+              <a:gd name="connsiteX4" fmla="*/ 140638 w 637360"/>
+              <a:gd name="connsiteY4" fmla="*/ 159894 h 621930"/>
+              <a:gd name="connsiteX0" fmla="*/ 140638 w 637360"/>
+              <a:gd name="connsiteY0" fmla="*/ 159894 h 621930"/>
+              <a:gd name="connsiteX1" fmla="*/ 637360 w 637360"/>
+              <a:gd name="connsiteY1" fmla="*/ 0 h 621930"/>
+              <a:gd name="connsiteX2" fmla="*/ 552004 w 637360"/>
+              <a:gd name="connsiteY2" fmla="*/ 541209 h 621930"/>
+              <a:gd name="connsiteX3" fmla="*/ 0 w 637360"/>
+              <a:gd name="connsiteY3" fmla="*/ 621930 h 621930"/>
+              <a:gd name="connsiteX4" fmla="*/ 140638 w 637360"/>
+              <a:gd name="connsiteY4" fmla="*/ 159894 h 621930"/>
+              <a:gd name="connsiteX0" fmla="*/ 83231 w 637360"/>
+              <a:gd name="connsiteY0" fmla="*/ 69472 h 621930"/>
+              <a:gd name="connsiteX1" fmla="*/ 637360 w 637360"/>
+              <a:gd name="connsiteY1" fmla="*/ 0 h 621930"/>
+              <a:gd name="connsiteX2" fmla="*/ 552004 w 637360"/>
+              <a:gd name="connsiteY2" fmla="*/ 541209 h 621930"/>
+              <a:gd name="connsiteX3" fmla="*/ 0 w 637360"/>
+              <a:gd name="connsiteY3" fmla="*/ 621930 h 621930"/>
+              <a:gd name="connsiteX4" fmla="*/ 83231 w 637360"/>
+              <a:gd name="connsiteY4" fmla="*/ 69472 h 621930"/>
+            </a:gdLst>
+            <a:ahLst/>
+            <a:cxnLst>
+              <a:cxn ang="0">
+                <a:pos x="connsiteX0" y="connsiteY0"/>
+              </a:cxn>
+              <a:cxn ang="0">
+                <a:pos x="connsiteX1" y="connsiteY1"/>
+              </a:cxn>
+              <a:cxn ang="0">
+                <a:pos x="connsiteX2" y="connsiteY2"/>
+              </a:cxn>
+              <a:cxn ang="0">
+                <a:pos x="connsiteX3" y="connsiteY3"/>
+              </a:cxn>
+              <a:cxn ang="0">
+                <a:pos x="connsiteX4" y="connsiteY4"/>
+              </a:cxn>
+            </a:cxnLst>
+            <a:rect l="l" t="t" r="r" b="b"/>
+            <a:pathLst>
+              <a:path w="637360" h="621930">
+                <a:moveTo>
+                  <a:pt x="83231" y="69472"/>
+                </a:moveTo>
+                <a:lnTo>
+                  <a:pt x="637360" y="0"/>
+                </a:lnTo>
+                <a:lnTo>
+                  <a:pt x="552004" y="541209"/>
+                </a:lnTo>
+                <a:lnTo>
+                  <a:pt x="0" y="621930"/>
+                </a:lnTo>
+                <a:lnTo>
+                  <a:pt x="83231" y="69472"/>
+                </a:lnTo>
+                <a:close/>
+              </a:path>
+            </a:pathLst>
+          </a:custGeom>
+          <a:solidFill>
+            <a:srgbClr val="B8DEF1"/>
+          </a:solidFill>
+          <a:ln w="12700">
+            <a:solidFill>
+              <a:schemeClr val="tx1"/>
+            </a:solidFill>
+          </a:ln>
+        </p:spPr>
+        <p:style>
+          <a:lnRef idx="2">
+            <a:schemeClr val="accent5">
+              <a:shade val="50000"/>
+            </a:schemeClr>
+          </a:lnRef>
+          <a:fillRef idx="1">
+            <a:schemeClr val="accent5"/>
+          </a:fillRef>
+          <a:effectRef idx="0">
+            <a:schemeClr val="accent5"/>
+          </a:effectRef>
+          <a:fontRef idx="minor">
+            <a:schemeClr val="lt1"/>
+          </a:fontRef>
+        </p:style>
+        <p:txBody>
+          <a:bodyPr rtlCol="0" anchor="ctr"/>
+          <a:lstStyle/>
+          <a:p>
+            <a:pPr algn="ctr"/>
+            <a:endParaRPr lang="en-GB" dirty="0"/>
+          </a:p>
+        </p:txBody>
+      </p:sp>
+      <p:sp>
+        <p:nvSpPr>
+          <p:cNvPr id="31" name="Rectangle 3">
+            <a:extLst>
+              <a:ext uri="{FF2B5EF4-FFF2-40B4-BE49-F238E27FC236}">
+                <a16:creationId xmlns:a16="http://schemas.microsoft.com/office/drawing/2014/main" id="{E71D2446-4078-4A92-A0B7-309CD83BA73D}"/>
+              </a:ext>
+            </a:extLst>
+          </p:cNvPr>
+          <p:cNvSpPr/>
+          <p:nvPr/>
+        </p:nvSpPr>
+        <p:spPr>
+          <a:xfrm rot="2663208">
+            <a:off x="3415037" y="4865235"/>
+            <a:ext cx="784318" cy="771778"/>
+          </a:xfrm>
+          <a:custGeom>
+            <a:avLst/>
+            <a:gdLst>
+              <a:gd name="connsiteX0" fmla="*/ 0 w 542159"/>
+              <a:gd name="connsiteY0" fmla="*/ 0 h 537632"/>
+              <a:gd name="connsiteX1" fmla="*/ 542159 w 542159"/>
+              <a:gd name="connsiteY1" fmla="*/ 0 h 537632"/>
+              <a:gd name="connsiteX2" fmla="*/ 542159 w 542159"/>
+              <a:gd name="connsiteY2" fmla="*/ 537632 h 537632"/>
+              <a:gd name="connsiteX3" fmla="*/ 0 w 542159"/>
+              <a:gd name="connsiteY3" fmla="*/ 537632 h 537632"/>
+              <a:gd name="connsiteX4" fmla="*/ 0 w 542159"/>
+              <a:gd name="connsiteY4" fmla="*/ 0 h 537632"/>
+              <a:gd name="connsiteX0" fmla="*/ 10037 w 552196"/>
+              <a:gd name="connsiteY0" fmla="*/ 0 h 636313"/>
+              <a:gd name="connsiteX1" fmla="*/ 552196 w 552196"/>
+              <a:gd name="connsiteY1" fmla="*/ 0 h 636313"/>
+              <a:gd name="connsiteX2" fmla="*/ 552196 w 552196"/>
+              <a:gd name="connsiteY2" fmla="*/ 537632 h 636313"/>
+              <a:gd name="connsiteX3" fmla="*/ 0 w 552196"/>
+              <a:gd name="connsiteY3" fmla="*/ 636313 h 636313"/>
+              <a:gd name="connsiteX4" fmla="*/ 10037 w 552196"/>
+              <a:gd name="connsiteY4" fmla="*/ 0 h 636313"/>
+              <a:gd name="connsiteX0" fmla="*/ 140638 w 552196"/>
+              <a:gd name="connsiteY0" fmla="*/ 174277 h 636313"/>
+              <a:gd name="connsiteX1" fmla="*/ 552196 w 552196"/>
+              <a:gd name="connsiteY1" fmla="*/ 0 h 636313"/>
+              <a:gd name="connsiteX2" fmla="*/ 552196 w 552196"/>
+              <a:gd name="connsiteY2" fmla="*/ 537632 h 636313"/>
+              <a:gd name="connsiteX3" fmla="*/ 0 w 552196"/>
+              <a:gd name="connsiteY3" fmla="*/ 636313 h 636313"/>
+              <a:gd name="connsiteX4" fmla="*/ 140638 w 552196"/>
+              <a:gd name="connsiteY4" fmla="*/ 174277 h 636313"/>
+              <a:gd name="connsiteX0" fmla="*/ 140638 w 637360"/>
+              <a:gd name="connsiteY0" fmla="*/ 159894 h 621930"/>
+              <a:gd name="connsiteX1" fmla="*/ 637360 w 637360"/>
+              <a:gd name="connsiteY1" fmla="*/ 0 h 621930"/>
+              <a:gd name="connsiteX2" fmla="*/ 552196 w 637360"/>
+              <a:gd name="connsiteY2" fmla="*/ 523249 h 621930"/>
+              <a:gd name="connsiteX3" fmla="*/ 0 w 637360"/>
+              <a:gd name="connsiteY3" fmla="*/ 621930 h 621930"/>
+              <a:gd name="connsiteX4" fmla="*/ 140638 w 637360"/>
+              <a:gd name="connsiteY4" fmla="*/ 159894 h 621930"/>
+              <a:gd name="connsiteX0" fmla="*/ 140638 w 637360"/>
+              <a:gd name="connsiteY0" fmla="*/ 159894 h 621930"/>
+              <a:gd name="connsiteX1" fmla="*/ 637360 w 637360"/>
+              <a:gd name="connsiteY1" fmla="*/ 0 h 621930"/>
+              <a:gd name="connsiteX2" fmla="*/ 552004 w 637360"/>
+              <a:gd name="connsiteY2" fmla="*/ 541209 h 621930"/>
+              <a:gd name="connsiteX3" fmla="*/ 0 w 637360"/>
+              <a:gd name="connsiteY3" fmla="*/ 621930 h 621930"/>
+              <a:gd name="connsiteX4" fmla="*/ 140638 w 637360"/>
+              <a:gd name="connsiteY4" fmla="*/ 159894 h 621930"/>
+              <a:gd name="connsiteX0" fmla="*/ 83231 w 637360"/>
+              <a:gd name="connsiteY0" fmla="*/ 69472 h 621930"/>
+              <a:gd name="connsiteX1" fmla="*/ 637360 w 637360"/>
+              <a:gd name="connsiteY1" fmla="*/ 0 h 621930"/>
+              <a:gd name="connsiteX2" fmla="*/ 552004 w 637360"/>
+              <a:gd name="connsiteY2" fmla="*/ 541209 h 621930"/>
+              <a:gd name="connsiteX3" fmla="*/ 0 w 637360"/>
+              <a:gd name="connsiteY3" fmla="*/ 621930 h 621930"/>
+              <a:gd name="connsiteX4" fmla="*/ 83231 w 637360"/>
+              <a:gd name="connsiteY4" fmla="*/ 69472 h 621930"/>
+            </a:gdLst>
+            <a:ahLst/>
+            <a:cxnLst>
+              <a:cxn ang="0">
+                <a:pos x="connsiteX0" y="connsiteY0"/>
+              </a:cxn>
+              <a:cxn ang="0">
+                <a:pos x="connsiteX1" y="connsiteY1"/>
+              </a:cxn>
+              <a:cxn ang="0">
+                <a:pos x="connsiteX2" y="connsiteY2"/>
+              </a:cxn>
+              <a:cxn ang="0">
+                <a:pos x="connsiteX3" y="connsiteY3"/>
+              </a:cxn>
+              <a:cxn ang="0">
+                <a:pos x="connsiteX4" y="connsiteY4"/>
+              </a:cxn>
+            </a:cxnLst>
+            <a:rect l="l" t="t" r="r" b="b"/>
+            <a:pathLst>
+              <a:path w="637360" h="621930">
+                <a:moveTo>
+                  <a:pt x="83231" y="69472"/>
+                </a:moveTo>
+                <a:lnTo>
+                  <a:pt x="637360" y="0"/>
+                </a:lnTo>
+                <a:lnTo>
+                  <a:pt x="552004" y="541209"/>
+                </a:lnTo>
+                <a:lnTo>
+                  <a:pt x="0" y="621930"/>
+                </a:lnTo>
+                <a:lnTo>
+                  <a:pt x="83231" y="69472"/>
+                </a:lnTo>
+                <a:close/>
+              </a:path>
+            </a:pathLst>
+          </a:custGeom>
+          <a:solidFill>
+            <a:srgbClr val="B8DEF1"/>
+          </a:solidFill>
+          <a:ln w="12700">
+            <a:solidFill>
+              <a:schemeClr val="tx1"/>
+            </a:solidFill>
+          </a:ln>
+        </p:spPr>
+        <p:style>
+          <a:lnRef idx="2">
+            <a:schemeClr val="accent5">
+              <a:shade val="50000"/>
+            </a:schemeClr>
+          </a:lnRef>
+          <a:fillRef idx="1">
+            <a:schemeClr val="accent5"/>
+          </a:fillRef>
+          <a:effectRef idx="0">
+            <a:schemeClr val="accent5"/>
+          </a:effectRef>
+          <a:fontRef idx="minor">
+            <a:schemeClr val="lt1"/>
+          </a:fontRef>
+        </p:style>
+        <p:txBody>
+          <a:bodyPr rtlCol="0" anchor="ctr"/>
+          <a:lstStyle/>
+          <a:p>
+            <a:pPr algn="ctr"/>
+            <a:endParaRPr lang="en-GB" dirty="0"/>
+          </a:p>
+        </p:txBody>
+      </p:sp>
+      <p:sp>
+        <p:nvSpPr>
           <p:cNvPr id="19460" name="Rectangle 5">
             <a:extLst>
               <a:ext uri="{FF2B5EF4-FFF2-40B4-BE49-F238E27FC236}">
@@ -21663,47 +22039,6 @@
           </a:p>
         </p:txBody>
       </p:sp>
-      <p:pic>
-        <p:nvPicPr>
-          <p:cNvPr id="7" name="Picture 6">
-            <a:extLst>
-              <a:ext uri="{FF2B5EF4-FFF2-40B4-BE49-F238E27FC236}">
-                <a16:creationId xmlns:a16="http://schemas.microsoft.com/office/drawing/2014/main" id="{DFD6976E-8A82-4973-93CB-D17A8C5181A5}"/>
-              </a:ext>
-            </a:extLst>
-          </p:cNvPr>
-          <p:cNvPicPr>
-            <a:picLocks noGrp="1" noChangeAspect="1"/>
-          </p:cNvPicPr>
-          <p:nvPr isPhoto="1"/>
-        </p:nvPicPr>
-        <p:blipFill>
-          <a:blip r:embed="rId3" cstate="print">
-            <a:lum/>
-            <a:extLst>
-              <a:ext uri="{28A0092B-C50C-407E-A947-70E740481C1C}">
-                <a14:useLocalDpi xmlns:a14="http://schemas.microsoft.com/office/drawing/2010/main" val="0"/>
-              </a:ext>
-            </a:extLst>
-          </a:blip>
-          <a:stretch>
-            <a:fillRect/>
-          </a:stretch>
-        </p:blipFill>
-        <p:spPr>
-          <a:xfrm>
-            <a:off x="3675221" y="1672246"/>
-            <a:ext cx="5468779" cy="2790239"/>
-          </a:xfrm>
-          <a:prstGeom prst="rect">
-            <a:avLst/>
-          </a:prstGeom>
-          <a:noFill/>
-          <a:ln>
-            <a:noFill/>
-          </a:ln>
-        </p:spPr>
-      </p:pic>
       <p:grpSp>
         <p:nvGrpSpPr>
           <p:cNvPr id="19469" name="Group 19468">
@@ -21719,166 +22054,11 @@
         <p:grpSpPr>
           <a:xfrm>
             <a:off x="152400" y="914400"/>
-            <a:ext cx="2968242" cy="4420329"/>
+            <a:ext cx="5257800" cy="5410200"/>
             <a:chOff x="152400" y="914400"/>
             <a:chExt cx="2968242" cy="4420329"/>
           </a:xfrm>
         </p:grpSpPr>
-        <p:sp>
-          <p:nvSpPr>
-            <p:cNvPr id="11" name="Rectangle 3">
-              <a:extLst>
-                <a:ext uri="{FF2B5EF4-FFF2-40B4-BE49-F238E27FC236}">
-                  <a16:creationId xmlns:a16="http://schemas.microsoft.com/office/drawing/2014/main" id="{B2E3E6CB-F49D-4730-9C10-4EEF2C7D87C6}"/>
-                </a:ext>
-              </a:extLst>
-            </p:cNvPr>
-            <p:cNvSpPr/>
-            <p:nvPr/>
-          </p:nvSpPr>
-          <p:spPr>
-            <a:xfrm rot="2663208">
-              <a:off x="1888260" y="4151520"/>
-              <a:ext cx="637360" cy="621930"/>
-            </a:xfrm>
-            <a:custGeom>
-              <a:avLst/>
-              <a:gdLst>
-                <a:gd name="connsiteX0" fmla="*/ 0 w 542159"/>
-                <a:gd name="connsiteY0" fmla="*/ 0 h 537632"/>
-                <a:gd name="connsiteX1" fmla="*/ 542159 w 542159"/>
-                <a:gd name="connsiteY1" fmla="*/ 0 h 537632"/>
-                <a:gd name="connsiteX2" fmla="*/ 542159 w 542159"/>
-                <a:gd name="connsiteY2" fmla="*/ 537632 h 537632"/>
-                <a:gd name="connsiteX3" fmla="*/ 0 w 542159"/>
-                <a:gd name="connsiteY3" fmla="*/ 537632 h 537632"/>
-                <a:gd name="connsiteX4" fmla="*/ 0 w 542159"/>
-                <a:gd name="connsiteY4" fmla="*/ 0 h 537632"/>
-                <a:gd name="connsiteX0" fmla="*/ 10037 w 552196"/>
-                <a:gd name="connsiteY0" fmla="*/ 0 h 636313"/>
-                <a:gd name="connsiteX1" fmla="*/ 552196 w 552196"/>
-                <a:gd name="connsiteY1" fmla="*/ 0 h 636313"/>
-                <a:gd name="connsiteX2" fmla="*/ 552196 w 552196"/>
-                <a:gd name="connsiteY2" fmla="*/ 537632 h 636313"/>
-                <a:gd name="connsiteX3" fmla="*/ 0 w 552196"/>
-                <a:gd name="connsiteY3" fmla="*/ 636313 h 636313"/>
-                <a:gd name="connsiteX4" fmla="*/ 10037 w 552196"/>
-                <a:gd name="connsiteY4" fmla="*/ 0 h 636313"/>
-                <a:gd name="connsiteX0" fmla="*/ 140638 w 552196"/>
-                <a:gd name="connsiteY0" fmla="*/ 174277 h 636313"/>
-                <a:gd name="connsiteX1" fmla="*/ 552196 w 552196"/>
-                <a:gd name="connsiteY1" fmla="*/ 0 h 636313"/>
-                <a:gd name="connsiteX2" fmla="*/ 552196 w 552196"/>
-                <a:gd name="connsiteY2" fmla="*/ 537632 h 636313"/>
-                <a:gd name="connsiteX3" fmla="*/ 0 w 552196"/>
-                <a:gd name="connsiteY3" fmla="*/ 636313 h 636313"/>
-                <a:gd name="connsiteX4" fmla="*/ 140638 w 552196"/>
-                <a:gd name="connsiteY4" fmla="*/ 174277 h 636313"/>
-                <a:gd name="connsiteX0" fmla="*/ 140638 w 637360"/>
-                <a:gd name="connsiteY0" fmla="*/ 159894 h 621930"/>
-                <a:gd name="connsiteX1" fmla="*/ 637360 w 637360"/>
-                <a:gd name="connsiteY1" fmla="*/ 0 h 621930"/>
-                <a:gd name="connsiteX2" fmla="*/ 552196 w 637360"/>
-                <a:gd name="connsiteY2" fmla="*/ 523249 h 621930"/>
-                <a:gd name="connsiteX3" fmla="*/ 0 w 637360"/>
-                <a:gd name="connsiteY3" fmla="*/ 621930 h 621930"/>
-                <a:gd name="connsiteX4" fmla="*/ 140638 w 637360"/>
-                <a:gd name="connsiteY4" fmla="*/ 159894 h 621930"/>
-                <a:gd name="connsiteX0" fmla="*/ 140638 w 637360"/>
-                <a:gd name="connsiteY0" fmla="*/ 159894 h 621930"/>
-                <a:gd name="connsiteX1" fmla="*/ 637360 w 637360"/>
-                <a:gd name="connsiteY1" fmla="*/ 0 h 621930"/>
-                <a:gd name="connsiteX2" fmla="*/ 552004 w 637360"/>
-                <a:gd name="connsiteY2" fmla="*/ 541209 h 621930"/>
-                <a:gd name="connsiteX3" fmla="*/ 0 w 637360"/>
-                <a:gd name="connsiteY3" fmla="*/ 621930 h 621930"/>
-                <a:gd name="connsiteX4" fmla="*/ 140638 w 637360"/>
-                <a:gd name="connsiteY4" fmla="*/ 159894 h 621930"/>
-                <a:gd name="connsiteX0" fmla="*/ 83231 w 637360"/>
-                <a:gd name="connsiteY0" fmla="*/ 69472 h 621930"/>
-                <a:gd name="connsiteX1" fmla="*/ 637360 w 637360"/>
-                <a:gd name="connsiteY1" fmla="*/ 0 h 621930"/>
-                <a:gd name="connsiteX2" fmla="*/ 552004 w 637360"/>
-                <a:gd name="connsiteY2" fmla="*/ 541209 h 621930"/>
-                <a:gd name="connsiteX3" fmla="*/ 0 w 637360"/>
-                <a:gd name="connsiteY3" fmla="*/ 621930 h 621930"/>
-                <a:gd name="connsiteX4" fmla="*/ 83231 w 637360"/>
-                <a:gd name="connsiteY4" fmla="*/ 69472 h 621930"/>
-              </a:gdLst>
-              <a:ahLst/>
-              <a:cxnLst>
-                <a:cxn ang="0">
-                  <a:pos x="connsiteX0" y="connsiteY0"/>
-                </a:cxn>
-                <a:cxn ang="0">
-                  <a:pos x="connsiteX1" y="connsiteY1"/>
-                </a:cxn>
-                <a:cxn ang="0">
-                  <a:pos x="connsiteX2" y="connsiteY2"/>
-                </a:cxn>
-                <a:cxn ang="0">
-                  <a:pos x="connsiteX3" y="connsiteY3"/>
-                </a:cxn>
-                <a:cxn ang="0">
-                  <a:pos x="connsiteX4" y="connsiteY4"/>
-                </a:cxn>
-              </a:cxnLst>
-              <a:rect l="l" t="t" r="r" b="b"/>
-              <a:pathLst>
-                <a:path w="637360" h="621930">
-                  <a:moveTo>
-                    <a:pt x="83231" y="69472"/>
-                  </a:moveTo>
-                  <a:lnTo>
-                    <a:pt x="637360" y="0"/>
-                  </a:lnTo>
-                  <a:lnTo>
-                    <a:pt x="552004" y="541209"/>
-                  </a:lnTo>
-                  <a:lnTo>
-                    <a:pt x="0" y="621930"/>
-                  </a:lnTo>
-                  <a:lnTo>
-                    <a:pt x="83231" y="69472"/>
-                  </a:lnTo>
-                  <a:close/>
-                </a:path>
-              </a:pathLst>
-            </a:custGeom>
-            <a:solidFill>
-              <a:srgbClr val="B8DEF1"/>
-            </a:solidFill>
-            <a:ln w="12700">
-              <a:solidFill>
-                <a:schemeClr val="tx1"/>
-              </a:solidFill>
-            </a:ln>
-          </p:spPr>
-          <p:style>
-            <a:lnRef idx="2">
-              <a:schemeClr val="accent5">
-                <a:shade val="50000"/>
-              </a:schemeClr>
-            </a:lnRef>
-            <a:fillRef idx="1">
-              <a:schemeClr val="accent5"/>
-            </a:fillRef>
-            <a:effectRef idx="0">
-              <a:schemeClr val="accent5"/>
-            </a:effectRef>
-            <a:fontRef idx="minor">
-              <a:schemeClr val="lt1"/>
-            </a:fontRef>
-          </p:style>
-          <p:txBody>
-            <a:bodyPr rtlCol="0" anchor="ctr"/>
-            <a:lstStyle/>
-            <a:p>
-              <a:pPr algn="ctr"/>
-              <a:endParaRPr lang="en-GB"/>
-            </a:p>
-          </p:txBody>
-        </p:sp>
         <p:sp>
           <p:nvSpPr>
             <p:cNvPr id="2" name="Rectangle 1">
@@ -21930,7 +22110,7 @@
             <a:p>
               <a:pPr algn="ctr"/>
               <a:r>
-                <a:rPr lang="es-MX" sz="900" dirty="0">
+                <a:rPr lang="es-MX" dirty="0">
                   <a:solidFill>
                     <a:schemeClr val="tx1"/>
                   </a:solidFill>
@@ -21938,7 +22118,7 @@
                 <a:t>Load </a:t>
               </a:r>
               <a:r>
-                <a:rPr lang="es-MX" sz="900" dirty="0" err="1">
+                <a:rPr lang="es-MX" dirty="0" err="1">
                   <a:solidFill>
                     <a:schemeClr val="tx1"/>
                   </a:solidFill>
@@ -21946,7 +22126,7 @@
                 <a:t>lower</a:t>
               </a:r>
               <a:r>
-                <a:rPr lang="es-MX" sz="900" dirty="0">
+                <a:rPr lang="es-MX" dirty="0">
                   <a:solidFill>
                     <a:schemeClr val="tx1"/>
                   </a:solidFill>
@@ -21954,7 +22134,7 @@
                 <a:t> </a:t>
               </a:r>
               <a:r>
-                <a:rPr lang="es-MX" sz="900" dirty="0" err="1">
+                <a:rPr lang="es-MX" dirty="0" err="1">
                   <a:solidFill>
                     <a:schemeClr val="tx1"/>
                   </a:solidFill>
@@ -21962,7 +22142,7 @@
                 <a:t>half</a:t>
               </a:r>
               <a:r>
-                <a:rPr lang="es-MX" sz="900" dirty="0">
+                <a:rPr lang="es-MX" dirty="0">
                   <a:solidFill>
                     <a:schemeClr val="tx1"/>
                   </a:solidFill>
@@ -21970,7 +22150,7 @@
                 <a:t> </a:t>
               </a:r>
               <a:r>
-                <a:rPr lang="es-MX" sz="900" dirty="0" err="1">
+                <a:rPr lang="es-MX" dirty="0" err="1">
                   <a:solidFill>
                     <a:schemeClr val="tx1"/>
                   </a:solidFill>
@@ -21978,7 +22158,7 @@
                 <a:t>of</a:t>
               </a:r>
               <a:r>
-                <a:rPr lang="es-MX" sz="900" dirty="0">
+                <a:rPr lang="es-MX" dirty="0">
                   <a:solidFill>
                     <a:schemeClr val="tx1"/>
                   </a:solidFill>
@@ -21986,7 +22166,7 @@
                 <a:t> </a:t>
               </a:r>
               <a:r>
-                <a:rPr lang="es-MX" sz="900" dirty="0" err="1">
+                <a:rPr lang="es-MX" dirty="0" err="1">
                   <a:solidFill>
                     <a:schemeClr val="tx1"/>
                   </a:solidFill>
@@ -21994,7 +22174,7 @@
                 <a:t>Product</a:t>
               </a:r>
               <a:r>
-                <a:rPr lang="es-MX" sz="900" dirty="0">
+                <a:rPr lang="es-MX" dirty="0">
                   <a:solidFill>
                     <a:schemeClr val="tx1"/>
                   </a:solidFill>
@@ -22002,7 +22182,7 @@
                 <a:t> </a:t>
               </a:r>
               <a:r>
-                <a:rPr lang="es-MX" sz="900" dirty="0" err="1">
+                <a:rPr lang="es-MX" dirty="0" err="1">
                   <a:solidFill>
                     <a:schemeClr val="tx1"/>
                   </a:solidFill>
@@ -22010,7 +22190,7 @@
                 <a:t>with</a:t>
               </a:r>
               <a:r>
-                <a:rPr lang="es-MX" sz="900" dirty="0">
+                <a:rPr lang="es-MX" dirty="0">
                   <a:solidFill>
                     <a:schemeClr val="tx1"/>
                   </a:solidFill>
@@ -22018,7 +22198,7 @@
                 <a:t> </a:t>
               </a:r>
               <a:r>
-                <a:rPr lang="es-MX" sz="900" dirty="0" err="1">
+                <a:rPr lang="es-MX" dirty="0" err="1">
                   <a:solidFill>
                     <a:schemeClr val="tx1"/>
                   </a:solidFill>
@@ -22026,173 +22206,18 @@
                 <a:t>Multiplier</a:t>
               </a:r>
               <a:r>
-                <a:rPr lang="es-MX" sz="900" dirty="0">
+                <a:rPr lang="es-MX" dirty="0">
                   <a:solidFill>
                     <a:schemeClr val="tx1"/>
                   </a:solidFill>
                 </a:rPr>
                 <a:t> </a:t>
               </a:r>
-              <a:endParaRPr lang="en-GB" sz="900" dirty="0">
+              <a:endParaRPr lang="en-GB" dirty="0">
                 <a:solidFill>
                   <a:schemeClr val="tx1"/>
                 </a:solidFill>
               </a:endParaRPr>
-            </a:p>
-          </p:txBody>
-        </p:sp>
-        <p:sp>
-          <p:nvSpPr>
-            <p:cNvPr id="15" name="Rectangle 3">
-              <a:extLst>
-                <a:ext uri="{FF2B5EF4-FFF2-40B4-BE49-F238E27FC236}">
-                  <a16:creationId xmlns:a16="http://schemas.microsoft.com/office/drawing/2014/main" id="{FF1F1B37-37DE-4706-946F-87F5BA6A908F}"/>
-                </a:ext>
-              </a:extLst>
-            </p:cNvPr>
-            <p:cNvSpPr/>
-            <p:nvPr/>
-          </p:nvSpPr>
-          <p:spPr>
-            <a:xfrm rot="2663208">
-              <a:off x="1890895" y="2115576"/>
-              <a:ext cx="637360" cy="621930"/>
-            </a:xfrm>
-            <a:custGeom>
-              <a:avLst/>
-              <a:gdLst>
-                <a:gd name="connsiteX0" fmla="*/ 0 w 542159"/>
-                <a:gd name="connsiteY0" fmla="*/ 0 h 537632"/>
-                <a:gd name="connsiteX1" fmla="*/ 542159 w 542159"/>
-                <a:gd name="connsiteY1" fmla="*/ 0 h 537632"/>
-                <a:gd name="connsiteX2" fmla="*/ 542159 w 542159"/>
-                <a:gd name="connsiteY2" fmla="*/ 537632 h 537632"/>
-                <a:gd name="connsiteX3" fmla="*/ 0 w 542159"/>
-                <a:gd name="connsiteY3" fmla="*/ 537632 h 537632"/>
-                <a:gd name="connsiteX4" fmla="*/ 0 w 542159"/>
-                <a:gd name="connsiteY4" fmla="*/ 0 h 537632"/>
-                <a:gd name="connsiteX0" fmla="*/ 10037 w 552196"/>
-                <a:gd name="connsiteY0" fmla="*/ 0 h 636313"/>
-                <a:gd name="connsiteX1" fmla="*/ 552196 w 552196"/>
-                <a:gd name="connsiteY1" fmla="*/ 0 h 636313"/>
-                <a:gd name="connsiteX2" fmla="*/ 552196 w 552196"/>
-                <a:gd name="connsiteY2" fmla="*/ 537632 h 636313"/>
-                <a:gd name="connsiteX3" fmla="*/ 0 w 552196"/>
-                <a:gd name="connsiteY3" fmla="*/ 636313 h 636313"/>
-                <a:gd name="connsiteX4" fmla="*/ 10037 w 552196"/>
-                <a:gd name="connsiteY4" fmla="*/ 0 h 636313"/>
-                <a:gd name="connsiteX0" fmla="*/ 140638 w 552196"/>
-                <a:gd name="connsiteY0" fmla="*/ 174277 h 636313"/>
-                <a:gd name="connsiteX1" fmla="*/ 552196 w 552196"/>
-                <a:gd name="connsiteY1" fmla="*/ 0 h 636313"/>
-                <a:gd name="connsiteX2" fmla="*/ 552196 w 552196"/>
-                <a:gd name="connsiteY2" fmla="*/ 537632 h 636313"/>
-                <a:gd name="connsiteX3" fmla="*/ 0 w 552196"/>
-                <a:gd name="connsiteY3" fmla="*/ 636313 h 636313"/>
-                <a:gd name="connsiteX4" fmla="*/ 140638 w 552196"/>
-                <a:gd name="connsiteY4" fmla="*/ 174277 h 636313"/>
-                <a:gd name="connsiteX0" fmla="*/ 140638 w 637360"/>
-                <a:gd name="connsiteY0" fmla="*/ 159894 h 621930"/>
-                <a:gd name="connsiteX1" fmla="*/ 637360 w 637360"/>
-                <a:gd name="connsiteY1" fmla="*/ 0 h 621930"/>
-                <a:gd name="connsiteX2" fmla="*/ 552196 w 637360"/>
-                <a:gd name="connsiteY2" fmla="*/ 523249 h 621930"/>
-                <a:gd name="connsiteX3" fmla="*/ 0 w 637360"/>
-                <a:gd name="connsiteY3" fmla="*/ 621930 h 621930"/>
-                <a:gd name="connsiteX4" fmla="*/ 140638 w 637360"/>
-                <a:gd name="connsiteY4" fmla="*/ 159894 h 621930"/>
-                <a:gd name="connsiteX0" fmla="*/ 140638 w 637360"/>
-                <a:gd name="connsiteY0" fmla="*/ 159894 h 621930"/>
-                <a:gd name="connsiteX1" fmla="*/ 637360 w 637360"/>
-                <a:gd name="connsiteY1" fmla="*/ 0 h 621930"/>
-                <a:gd name="connsiteX2" fmla="*/ 552004 w 637360"/>
-                <a:gd name="connsiteY2" fmla="*/ 541209 h 621930"/>
-                <a:gd name="connsiteX3" fmla="*/ 0 w 637360"/>
-                <a:gd name="connsiteY3" fmla="*/ 621930 h 621930"/>
-                <a:gd name="connsiteX4" fmla="*/ 140638 w 637360"/>
-                <a:gd name="connsiteY4" fmla="*/ 159894 h 621930"/>
-                <a:gd name="connsiteX0" fmla="*/ 83231 w 637360"/>
-                <a:gd name="connsiteY0" fmla="*/ 69472 h 621930"/>
-                <a:gd name="connsiteX1" fmla="*/ 637360 w 637360"/>
-                <a:gd name="connsiteY1" fmla="*/ 0 h 621930"/>
-                <a:gd name="connsiteX2" fmla="*/ 552004 w 637360"/>
-                <a:gd name="connsiteY2" fmla="*/ 541209 h 621930"/>
-                <a:gd name="connsiteX3" fmla="*/ 0 w 637360"/>
-                <a:gd name="connsiteY3" fmla="*/ 621930 h 621930"/>
-                <a:gd name="connsiteX4" fmla="*/ 83231 w 637360"/>
-                <a:gd name="connsiteY4" fmla="*/ 69472 h 621930"/>
-              </a:gdLst>
-              <a:ahLst/>
-              <a:cxnLst>
-                <a:cxn ang="0">
-                  <a:pos x="connsiteX0" y="connsiteY0"/>
-                </a:cxn>
-                <a:cxn ang="0">
-                  <a:pos x="connsiteX1" y="connsiteY1"/>
-                </a:cxn>
-                <a:cxn ang="0">
-                  <a:pos x="connsiteX2" y="connsiteY2"/>
-                </a:cxn>
-                <a:cxn ang="0">
-                  <a:pos x="connsiteX3" y="connsiteY3"/>
-                </a:cxn>
-                <a:cxn ang="0">
-                  <a:pos x="connsiteX4" y="connsiteY4"/>
-                </a:cxn>
-              </a:cxnLst>
-              <a:rect l="l" t="t" r="r" b="b"/>
-              <a:pathLst>
-                <a:path w="637360" h="621930">
-                  <a:moveTo>
-                    <a:pt x="83231" y="69472"/>
-                  </a:moveTo>
-                  <a:lnTo>
-                    <a:pt x="637360" y="0"/>
-                  </a:lnTo>
-                  <a:lnTo>
-                    <a:pt x="552004" y="541209"/>
-                  </a:lnTo>
-                  <a:lnTo>
-                    <a:pt x="0" y="621930"/>
-                  </a:lnTo>
-                  <a:lnTo>
-                    <a:pt x="83231" y="69472"/>
-                  </a:lnTo>
-                  <a:close/>
-                </a:path>
-              </a:pathLst>
-            </a:custGeom>
-            <a:solidFill>
-              <a:srgbClr val="B8DEF1"/>
-            </a:solidFill>
-            <a:ln w="12700">
-              <a:solidFill>
-                <a:schemeClr val="tx1"/>
-              </a:solidFill>
-            </a:ln>
-          </p:spPr>
-          <p:style>
-            <a:lnRef idx="2">
-              <a:schemeClr val="accent5">
-                <a:shade val="50000"/>
-              </a:schemeClr>
-            </a:lnRef>
-            <a:fillRef idx="1">
-              <a:schemeClr val="accent5"/>
-            </a:fillRef>
-            <a:effectRef idx="0">
-              <a:schemeClr val="accent5"/>
-            </a:effectRef>
-            <a:fontRef idx="minor">
-              <a:schemeClr val="lt1"/>
-            </a:fontRef>
-          </p:style>
-          <p:txBody>
-            <a:bodyPr rtlCol="0" anchor="ctr"/>
-            <a:lstStyle/>
-            <a:p>
-              <a:pPr algn="ctr"/>
-              <a:endParaRPr lang="en-GB"/>
             </a:p>
           </p:txBody>
         </p:sp>
@@ -22247,7 +22272,7 @@
             <a:p>
               <a:pPr algn="ctr"/>
               <a:r>
-                <a:rPr lang="es-MX" sz="1050" dirty="0" err="1">
+                <a:rPr lang="es-MX" dirty="0" err="1">
                   <a:solidFill>
                     <a:schemeClr val="tx1"/>
                   </a:solidFill>
@@ -22255,7 +22280,7 @@
                 <a:t>Add</a:t>
               </a:r>
               <a:r>
-                <a:rPr lang="es-MX" sz="1050" dirty="0">
+                <a:rPr lang="es-MX" dirty="0">
                   <a:solidFill>
                     <a:schemeClr val="tx1"/>
                   </a:solidFill>
@@ -22263,7 +22288,7 @@
                 <a:t> </a:t>
               </a:r>
               <a:r>
-                <a:rPr lang="es-MX" sz="1050" dirty="0" err="1">
+                <a:rPr lang="es-MX" dirty="0" err="1">
                   <a:solidFill>
                     <a:schemeClr val="tx1"/>
                   </a:solidFill>
@@ -22271,7 +22296,7 @@
                 <a:t>multiplicand</a:t>
               </a:r>
               <a:r>
-                <a:rPr lang="es-MX" sz="1050" dirty="0">
+                <a:rPr lang="es-MX" dirty="0">
                   <a:solidFill>
                     <a:schemeClr val="tx1"/>
                   </a:solidFill>
@@ -22279,7 +22304,7 @@
                 <a:t> </a:t>
               </a:r>
               <a:r>
-                <a:rPr lang="es-MX" sz="1050" dirty="0" err="1">
+                <a:rPr lang="es-MX" dirty="0" err="1">
                   <a:solidFill>
                     <a:schemeClr val="tx1"/>
                   </a:solidFill>
@@ -22287,7 +22312,7 @@
                 <a:t>to</a:t>
               </a:r>
               <a:r>
-                <a:rPr lang="es-MX" sz="1050" dirty="0">
+                <a:rPr lang="es-MX" dirty="0">
                   <a:solidFill>
                     <a:schemeClr val="tx1"/>
                   </a:solidFill>
@@ -22295,7 +22320,7 @@
                 <a:t> </a:t>
               </a:r>
               <a:r>
-                <a:rPr lang="es-MX" sz="1050" dirty="0" err="1">
+                <a:rPr lang="es-MX" dirty="0" err="1">
                   <a:solidFill>
                     <a:schemeClr val="tx1"/>
                   </a:solidFill>
@@ -22303,7 +22328,7 @@
                 <a:t>upper</a:t>
               </a:r>
               <a:r>
-                <a:rPr lang="es-MX" sz="1050" dirty="0">
+                <a:rPr lang="es-MX" dirty="0">
                   <a:solidFill>
                     <a:schemeClr val="tx1"/>
                   </a:solidFill>
@@ -22311,7 +22336,7 @@
                 <a:t> </a:t>
               </a:r>
               <a:r>
-                <a:rPr lang="es-MX" sz="1050" dirty="0" err="1">
+                <a:rPr lang="es-MX" dirty="0" err="1">
                   <a:solidFill>
                     <a:schemeClr val="tx1"/>
                   </a:solidFill>
@@ -22319,7 +22344,7 @@
                 <a:t>half</a:t>
               </a:r>
               <a:r>
-                <a:rPr lang="es-MX" sz="1050" dirty="0">
+                <a:rPr lang="es-MX" dirty="0">
                   <a:solidFill>
                     <a:schemeClr val="tx1"/>
                   </a:solidFill>
@@ -22327,7 +22352,7 @@
                 <a:t> </a:t>
               </a:r>
               <a:r>
-                <a:rPr lang="es-MX" sz="1050" dirty="0" err="1">
+                <a:rPr lang="es-MX" dirty="0" err="1">
                   <a:solidFill>
                     <a:schemeClr val="tx1"/>
                   </a:solidFill>
@@ -22335,7 +22360,7 @@
                 <a:t>of</a:t>
               </a:r>
               <a:r>
-                <a:rPr lang="es-MX" sz="1050" dirty="0">
+                <a:rPr lang="es-MX" dirty="0">
                   <a:solidFill>
                     <a:schemeClr val="tx1"/>
                   </a:solidFill>
@@ -22343,14 +22368,14 @@
                 <a:t> </a:t>
               </a:r>
               <a:r>
-                <a:rPr lang="es-MX" sz="1050" dirty="0" err="1">
+                <a:rPr lang="es-MX" dirty="0" err="1">
                   <a:solidFill>
                     <a:schemeClr val="tx1"/>
                   </a:solidFill>
                 </a:rPr>
                 <a:t>product</a:t>
               </a:r>
-              <a:endParaRPr lang="en-GB" sz="900" dirty="0">
+              <a:endParaRPr lang="en-GB" sz="1400" dirty="0">
                 <a:solidFill>
                   <a:schemeClr val="tx1"/>
                 </a:solidFill>
@@ -22409,7 +22434,7 @@
             <a:p>
               <a:pPr algn="ctr"/>
               <a:r>
-                <a:rPr lang="en-GB" sz="1050" dirty="0">
+                <a:rPr lang="en-GB" sz="2000" dirty="0">
                   <a:solidFill>
                     <a:schemeClr val="tx1"/>
                   </a:solidFill>
@@ -22468,14 +22493,14 @@
             <a:p>
               <a:pPr algn="ctr"/>
               <a:r>
-                <a:rPr lang="en-GB" sz="1200" dirty="0">
+                <a:rPr lang="en-GB" sz="2000" dirty="0">
                   <a:solidFill>
                     <a:schemeClr val="tx1"/>
                   </a:solidFill>
                 </a:rPr>
                 <a:t>Start</a:t>
               </a:r>
-              <a:endParaRPr lang="en-GB" dirty="0">
+              <a:endParaRPr lang="en-GB" sz="3200" dirty="0">
                 <a:solidFill>
                   <a:schemeClr val="tx1"/>
                 </a:solidFill>
@@ -22601,7 +22626,6 @@
             <p:cNvCxnSpPr>
               <a:cxnSpLocks/>
               <a:stCxn id="2" idx="2"/>
-              <a:endCxn id="15" idx="0"/>
             </p:cNvCxnSpPr>
             <p:nvPr/>
           </p:nvCxnSpPr>
@@ -22812,7 +22836,6 @@
             <p:cNvCxnSpPr>
               <a:cxnSpLocks/>
               <a:stCxn id="18" idx="2"/>
-              <a:endCxn id="11" idx="0"/>
             </p:cNvCxnSpPr>
             <p:nvPr/>
           </p:nvCxnSpPr>
@@ -22854,7 +22877,6 @@
             </p:cNvPr>
             <p:cNvCxnSpPr>
               <a:cxnSpLocks/>
-              <a:stCxn id="11" idx="1"/>
             </p:cNvCxnSpPr>
             <p:nvPr/>
           </p:nvCxnSpPr>
@@ -22902,8 +22924,8 @@
           </p:nvSpPr>
           <p:spPr>
             <a:xfrm>
-              <a:off x="1754980" y="4347069"/>
-              <a:ext cx="921288" cy="230832"/>
+              <a:off x="1834461" y="4335339"/>
+              <a:ext cx="921288" cy="251465"/>
             </a:xfrm>
             <a:prstGeom prst="rect">
               <a:avLst/>
@@ -22918,15 +22940,15 @@
             <a:p>
               <a:pPr algn="ctr"/>
               <a:r>
-                <a:rPr lang="en-GB" sz="900" dirty="0"/>
+                <a:rPr lang="en-GB" sz="1400" dirty="0"/>
                 <a:t>N</a:t>
               </a:r>
               <a:r>
-                <a:rPr lang="en-GB" sz="900" baseline="30000" dirty="0"/>
+                <a:rPr lang="en-GB" sz="1400" baseline="30000" dirty="0"/>
                 <a:t>th</a:t>
               </a:r>
               <a:r>
-                <a:rPr lang="en-GB" sz="900" dirty="0"/>
+                <a:rPr lang="en-GB" sz="1400" dirty="0"/>
                 <a:t> repetition?</a:t>
               </a:r>
             </a:p>
@@ -23104,8 +23126,8 @@
           </p:nvSpPr>
           <p:spPr>
             <a:xfrm>
-              <a:off x="1851915" y="2277728"/>
-              <a:ext cx="990600" cy="230832"/>
+              <a:off x="1886972" y="2250274"/>
+              <a:ext cx="990600" cy="301758"/>
             </a:xfrm>
             <a:prstGeom prst="rect">
               <a:avLst/>
@@ -23119,11 +23141,11 @@
             <a:lstStyle/>
             <a:p>
               <a:r>
-                <a:rPr lang="es-MX" sz="1000" dirty="0"/>
+                <a:rPr lang="es-MX" dirty="0"/>
                 <a:t>P</a:t>
               </a:r>
               <a:r>
-                <a:rPr lang="en-GB" sz="1000" dirty="0"/>
+                <a:rPr lang="en-GB" dirty="0"/>
                 <a:t>[0] == 1?</a:t>
               </a:r>
             </a:p>
@@ -23166,6 +23188,50 @@
           </p:txBody>
         </p:sp>
       </p:grpSp>
+      <p:cxnSp>
+        <p:nvCxnSpPr>
+          <p:cNvPr id="12" name="Straight Connector 11">
+            <a:extLst>
+              <a:ext uri="{FF2B5EF4-FFF2-40B4-BE49-F238E27FC236}">
+                <a16:creationId xmlns:a16="http://schemas.microsoft.com/office/drawing/2014/main" id="{3A108A1C-D80B-46EB-BA80-CE912A233D58}"/>
+              </a:ext>
+            </a:extLst>
+          </p:cNvPr>
+          <p:cNvCxnSpPr>
+            <a:stCxn id="32" idx="2"/>
+            <a:endCxn id="18" idx="0"/>
+          </p:cNvCxnSpPr>
+          <p:nvPr/>
+        </p:nvCxnSpPr>
+        <p:spPr>
+          <a:xfrm>
+            <a:off x="3786756" y="3174254"/>
+            <a:ext cx="3550" cy="914967"/>
+          </a:xfrm>
+          <a:prstGeom prst="line">
+            <a:avLst/>
+          </a:prstGeom>
+          <a:ln w="12700">
+            <a:solidFill>
+              <a:schemeClr val="tx1"/>
+            </a:solidFill>
+          </a:ln>
+        </p:spPr>
+        <p:style>
+          <a:lnRef idx="1">
+            <a:schemeClr val="accent1"/>
+          </a:lnRef>
+          <a:fillRef idx="0">
+            <a:schemeClr val="accent1"/>
+          </a:fillRef>
+          <a:effectRef idx="0">
+            <a:schemeClr val="accent1"/>
+          </a:effectRef>
+          <a:fontRef idx="minor">
+            <a:schemeClr val="tx1"/>
+          </a:fontRef>
+        </p:style>
+      </p:cxnSp>
     </p:spTree>
     <p:extLst>
       <p:ext uri="{BB962C8B-B14F-4D97-AF65-F5344CB8AC3E}">
